--- a/Импорт расписания из Excel в gcal.pptx
+++ b/Импорт расписания из Excel в gcal.pptx
@@ -3921,7 +3921,17 @@
                 <a:latin typeface="Consolas" panose="020B0609020204030204" pitchFamily="49" charset="0"/>
                 <a:cs typeface="Consolas" panose="020B0609020204030204" pitchFamily="49" charset="0"/>
               </a:rPr>
-              <a:t>book = open(</a:t>
+              <a:t>book = </a:t>
+            </a:r>
+            <a:r>
+              <a:rPr lang="en-US" smtClean="0">
+                <a:solidFill>
+                  <a:schemeClr val="bg1"/>
+                </a:solidFill>
+                <a:latin typeface="Consolas" panose="020B0609020204030204" pitchFamily="49" charset="0"/>
+                <a:cs typeface="Consolas" panose="020B0609020204030204" pitchFamily="49" charset="0"/>
+              </a:rPr>
+              <a:t>xlrd.open_workbook(</a:t>
             </a:r>
             <a:r>
               <a:rPr lang="en-US" dirty="0" smtClean="0">
@@ -3931,27 +3941,7 @@
                 <a:latin typeface="Consolas" panose="020B0609020204030204" pitchFamily="49" charset="0"/>
                 <a:cs typeface="Consolas" panose="020B0609020204030204" pitchFamily="49" charset="0"/>
               </a:rPr>
-              <a:t>'</a:t>
-            </a:r>
-            <a:r>
-              <a:rPr lang="en-US" dirty="0" smtClean="0">
-                <a:solidFill>
-                  <a:schemeClr val="bg1"/>
-                </a:solidFill>
-                <a:latin typeface="Consolas" panose="020B0609020204030204" pitchFamily="49" charset="0"/>
-                <a:cs typeface="Consolas" panose="020B0609020204030204" pitchFamily="49" charset="0"/>
-              </a:rPr>
-              <a:t>imi</a:t>
-            </a:r>
-            <a:r>
-              <a:rPr lang="en-US" dirty="0" smtClean="0">
-                <a:solidFill>
-                  <a:schemeClr val="bg1"/>
-                </a:solidFill>
-                <a:latin typeface="Consolas" panose="020B0609020204030204" pitchFamily="49" charset="0"/>
-                <a:cs typeface="Consolas" panose="020B0609020204030204" pitchFamily="49" charset="0"/>
-              </a:rPr>
-              <a:t>2018.xls</a:t>
+              <a:t>'imi2018.xls</a:t>
             </a:r>
             <a:r>
               <a:rPr lang="en-US" dirty="0">

--- a/Импорт расписания из Excel в gcal.pptx
+++ b/Импорт расписания из Excel в gcal.pptx
@@ -310,7 +310,7 @@
           <a:p>
             <a:fld id="{0487F043-56BB-4A77-B31A-AFE92352A746}" type="datetimeFigureOut">
               <a:rPr lang="ru-RU" smtClean="0"/>
-              <a:t>03.10.2018</a:t>
+              <a:t>26.09.2019</a:t>
             </a:fld>
             <a:endParaRPr lang="ru-RU"/>
           </a:p>
@@ -480,7 +480,7 @@
           <a:p>
             <a:fld id="{0487F043-56BB-4A77-B31A-AFE92352A746}" type="datetimeFigureOut">
               <a:rPr lang="ru-RU" smtClean="0"/>
-              <a:t>03.10.2018</a:t>
+              <a:t>26.09.2019</a:t>
             </a:fld>
             <a:endParaRPr lang="ru-RU"/>
           </a:p>
@@ -660,7 +660,7 @@
           <a:p>
             <a:fld id="{0487F043-56BB-4A77-B31A-AFE92352A746}" type="datetimeFigureOut">
               <a:rPr lang="ru-RU" smtClean="0"/>
-              <a:t>03.10.2018</a:t>
+              <a:t>26.09.2019</a:t>
             </a:fld>
             <a:endParaRPr lang="ru-RU"/>
           </a:p>
@@ -830,7 +830,7 @@
           <a:p>
             <a:fld id="{0487F043-56BB-4A77-B31A-AFE92352A746}" type="datetimeFigureOut">
               <a:rPr lang="ru-RU" smtClean="0"/>
-              <a:t>03.10.2018</a:t>
+              <a:t>26.09.2019</a:t>
             </a:fld>
             <a:endParaRPr lang="ru-RU"/>
           </a:p>
@@ -1074,7 +1074,7 @@
           <a:p>
             <a:fld id="{0487F043-56BB-4A77-B31A-AFE92352A746}" type="datetimeFigureOut">
               <a:rPr lang="ru-RU" smtClean="0"/>
-              <a:t>03.10.2018</a:t>
+              <a:t>26.09.2019</a:t>
             </a:fld>
             <a:endParaRPr lang="ru-RU"/>
           </a:p>
@@ -1306,7 +1306,7 @@
           <a:p>
             <a:fld id="{0487F043-56BB-4A77-B31A-AFE92352A746}" type="datetimeFigureOut">
               <a:rPr lang="ru-RU" smtClean="0"/>
-              <a:t>03.10.2018</a:t>
+              <a:t>26.09.2019</a:t>
             </a:fld>
             <a:endParaRPr lang="ru-RU"/>
           </a:p>
@@ -1673,7 +1673,7 @@
           <a:p>
             <a:fld id="{0487F043-56BB-4A77-B31A-AFE92352A746}" type="datetimeFigureOut">
               <a:rPr lang="ru-RU" smtClean="0"/>
-              <a:t>03.10.2018</a:t>
+              <a:t>26.09.2019</a:t>
             </a:fld>
             <a:endParaRPr lang="ru-RU"/>
           </a:p>
@@ -1791,7 +1791,7 @@
           <a:p>
             <a:fld id="{0487F043-56BB-4A77-B31A-AFE92352A746}" type="datetimeFigureOut">
               <a:rPr lang="ru-RU" smtClean="0"/>
-              <a:t>03.10.2018</a:t>
+              <a:t>26.09.2019</a:t>
             </a:fld>
             <a:endParaRPr lang="ru-RU"/>
           </a:p>
@@ -1886,7 +1886,7 @@
           <a:p>
             <a:fld id="{0487F043-56BB-4A77-B31A-AFE92352A746}" type="datetimeFigureOut">
               <a:rPr lang="ru-RU" smtClean="0"/>
-              <a:t>03.10.2018</a:t>
+              <a:t>26.09.2019</a:t>
             </a:fld>
             <a:endParaRPr lang="ru-RU"/>
           </a:p>
@@ -2163,7 +2163,7 @@
           <a:p>
             <a:fld id="{0487F043-56BB-4A77-B31A-AFE92352A746}" type="datetimeFigureOut">
               <a:rPr lang="ru-RU" smtClean="0"/>
-              <a:t>03.10.2018</a:t>
+              <a:t>26.09.2019</a:t>
             </a:fld>
             <a:endParaRPr lang="ru-RU"/>
           </a:p>
@@ -2420,7 +2420,7 @@
           <a:p>
             <a:fld id="{0487F043-56BB-4A77-B31A-AFE92352A746}" type="datetimeFigureOut">
               <a:rPr lang="ru-RU" smtClean="0"/>
-              <a:t>03.10.2018</a:t>
+              <a:t>26.09.2019</a:t>
             </a:fld>
             <a:endParaRPr lang="ru-RU"/>
           </a:p>
@@ -2633,7 +2633,7 @@
           <a:p>
             <a:fld id="{0487F043-56BB-4A77-B31A-AFE92352A746}" type="datetimeFigureOut">
               <a:rPr lang="ru-RU" smtClean="0"/>
-              <a:t>03.10.2018</a:t>
+              <a:t>26.09.2019</a:t>
             </a:fld>
             <a:endParaRPr lang="ru-RU"/>
           </a:p>
@@ -6207,31 +6207,19 @@
               <a:rPr lang="en-US" dirty="0" smtClean="0">
                 <a:hlinkClick r:id="rId2"/>
               </a:rPr>
-              <a:t>imi.mag.ivt16@gmail.com</a:t>
+              <a:t>imimag19@gmail.com</a:t>
             </a:r>
             <a:endParaRPr lang="en-US" dirty="0" smtClean="0"/>
           </a:p>
           <a:p>
             <a:r>
               <a:rPr lang="en-US" dirty="0" smtClean="0"/>
-              <a:t>PASS: VjynbGfqnjy2017 </a:t>
-            </a:r>
-            <a:r>
-              <a:rPr lang="ru-RU" dirty="0" smtClean="0"/>
-              <a:t/>
-            </a:r>
-            <a:br>
-              <a:rPr lang="ru-RU" dirty="0" smtClean="0"/>
-            </a:br>
+              <a:t>PASS: </a:t>
+            </a:r>
             <a:r>
               <a:rPr lang="en-US" dirty="0" smtClean="0"/>
-              <a:t>(</a:t>
-            </a:r>
-            <a:r>
-              <a:rPr lang="ru-RU" dirty="0" smtClean="0"/>
-              <a:t>МонтиПайтон2017 в лат. раскладке)</a:t>
-            </a:r>
-            <a:endParaRPr lang="en-US" dirty="0" smtClean="0"/>
+              <a:t>FiitIvt19</a:t>
+            </a:r>
           </a:p>
           <a:p>
             <a:r>
@@ -6277,7 +6265,7 @@
         </p:blipFill>
         <p:spPr>
           <a:xfrm>
-            <a:off x="921242" y="3709250"/>
+            <a:off x="921242" y="3305837"/>
             <a:ext cx="4657725" cy="933450"/>
           </a:xfrm>
           <a:prstGeom prst="rect">
